--- a/PWA-Workbox.pptx
+++ b/PWA-Workbox.pptx
@@ -1,11 +1,11 @@
 
 <file path=ppt/presentation.xml><?xml version="1.0" encoding="utf-8"?>
-<p:presentation xmlns:a="http://schemas.openxmlformats.org/drawingml/2006/main" xmlns:r="http://schemas.openxmlformats.org/officeDocument/2006/relationships" xmlns:p="http://schemas.openxmlformats.org/presentationml/2006/main" embedTrueTypeFonts="1" saveSubsetFonts="1">
+<p:presentation xmlns:a="http://schemas.openxmlformats.org/drawingml/2006/main" xmlns:r="http://schemas.openxmlformats.org/officeDocument/2006/relationships" xmlns:p="http://schemas.openxmlformats.org/presentationml/2006/main">
   <p:sldMasterIdLst>
     <p:sldMasterId id="2147484842" r:id="rId4"/>
   </p:sldMasterIdLst>
   <p:notesMasterIdLst>
-    <p:notesMasterId r:id="rId23"/>
+    <p:notesMasterId r:id="rId24"/>
   </p:notesMasterIdLst>
   <p:sldIdLst>
     <p:sldId id="1278" r:id="rId5"/>
@@ -19,25 +19,17 @@
     <p:sldId id="1292" r:id="rId13"/>
     <p:sldId id="1293" r:id="rId14"/>
     <p:sldId id="1294" r:id="rId15"/>
-    <p:sldId id="1295" r:id="rId16"/>
-    <p:sldId id="1296" r:id="rId17"/>
-    <p:sldId id="1297" r:id="rId18"/>
-    <p:sldId id="1298" r:id="rId19"/>
-    <p:sldId id="1301" r:id="rId20"/>
-    <p:sldId id="1299" r:id="rId21"/>
-    <p:sldId id="1263" r:id="rId22"/>
+    <p:sldId id="1302" r:id="rId16"/>
+    <p:sldId id="1295" r:id="rId17"/>
+    <p:sldId id="1296" r:id="rId18"/>
+    <p:sldId id="1297" r:id="rId19"/>
+    <p:sldId id="1298" r:id="rId20"/>
+    <p:sldId id="1301" r:id="rId21"/>
+    <p:sldId id="1299" r:id="rId22"/>
+    <p:sldId id="1263" r:id="rId23"/>
   </p:sldIdLst>
   <p:sldSz cx="12192000" cy="6858000"/>
   <p:notesSz cx="6858000" cy="9144000"/>
-  <p:embeddedFontLst>
-    <p:embeddedFont>
-      <p:font typeface="Open Sans" panose="020B0606030504020204" pitchFamily="34" charset="0"/>
-      <p:regular r:id="rId24"/>
-      <p:bold r:id="rId25"/>
-      <p:italic r:id="rId26"/>
-      <p:boldItalic r:id="rId27"/>
-    </p:embeddedFont>
-  </p:embeddedFontLst>
   <p:defaultTextStyle>
     <a:defPPr>
       <a:defRPr lang="en-US"/>
@@ -344,7 +336,7 @@
               <a:pPr>
                 <a:defRPr/>
               </a:pPr>
-              <a:t>05/03/2024</a:t>
+              <a:t>06/03/2024</a:t>
             </a:fld>
             <a:endParaRPr lang="en-GB"/>
           </a:p>
@@ -10921,8 +10913,8 @@
           <a:lstStyle/>
           <a:p>
             <a:r>
-              <a:rPr lang="en-US" dirty="0"/>
-              <a:t>External devices</a:t>
+              <a:rPr lang="es-ES_tradnl" dirty="0"/>
+              <a:t>Dispositivos externos (Bluetooth)</a:t>
             </a:r>
           </a:p>
         </p:txBody>
@@ -11058,8 +11050,8 @@
           <a:lstStyle/>
           <a:p>
             <a:r>
-              <a:rPr lang="en-US" dirty="0"/>
-              <a:t>Idle detection</a:t>
+              <a:rPr lang="es-ES_tradnl" dirty="0"/>
+              <a:t>Detección inactividad (Idle)</a:t>
             </a:r>
           </a:p>
         </p:txBody>
@@ -11183,8 +11175,8 @@
         </p:nvSpPr>
         <p:spPr>
           <a:xfrm>
-            <a:off x="257498" y="306659"/>
-            <a:ext cx="11487235" cy="6244682"/>
+            <a:off x="331840" y="326223"/>
+            <a:ext cx="11487235" cy="565351"/>
           </a:xfrm>
           <a:prstGeom prst="rect">
             <a:avLst/>
@@ -11196,86 +11188,204 @@
           <a:p>
             <a:r>
               <a:rPr lang="es-ES_tradnl" dirty="0"/>
-              <a:t>Limitaciones</a:t>
+              <a:t>Otras características</a:t>
             </a:r>
           </a:p>
         </p:txBody>
       </p:sp>
       <p:sp>
         <p:nvSpPr>
-          <p:cNvPr id="2" name="Text Placeholder 4">
+          <p:cNvPr id="8" name="TextBox 7">
             <a:extLst>
               <a:ext uri="{FF2B5EF4-FFF2-40B4-BE49-F238E27FC236}">
-                <a16:creationId xmlns:a16="http://schemas.microsoft.com/office/drawing/2014/main" id="{A11E9D73-0D2B-BC8E-12A2-24C124C0B974}"/>
+                <a16:creationId xmlns:a16="http://schemas.microsoft.com/office/drawing/2014/main" id="{44FA7A91-28CE-3DEE-17B2-4665BD807727}"/>
               </a:ext>
             </a:extLst>
           </p:cNvPr>
-          <p:cNvSpPr>
-            <a:spLocks noGrp="1"/>
-          </p:cNvSpPr>
-          <p:nvPr>
-            <p:ph type="body" sz="quarter" idx="10"/>
-          </p:nvPr>
+          <p:cNvSpPr txBox="1"/>
+          <p:nvPr/>
         </p:nvSpPr>
         <p:spPr>
           <a:xfrm>
-            <a:off x="331840" y="1258529"/>
-            <a:ext cx="10975497" cy="4913670"/>
-          </a:xfrm>
+            <a:off x="337977" y="1069032"/>
+            <a:ext cx="11401937" cy="3416320"/>
+          </a:xfrm>
+          <a:prstGeom prst="rect">
+            <a:avLst/>
+          </a:prstGeom>
+          <a:noFill/>
         </p:spPr>
         <p:txBody>
-          <a:bodyPr/>
+          <a:bodyPr wrap="square" rtlCol="0">
+            <a:spAutoFit/>
+          </a:bodyPr>
           <a:lstStyle/>
           <a:p>
-            <a:r>
-              <a:rPr lang="es-ES_tradnl" b="1" dirty="0"/>
-              <a:t>Notificaciones</a:t>
-            </a:r>
-            <a:r>
-              <a:rPr lang="es-ES_tradnl" dirty="0"/>
-              <a:t> </a:t>
-            </a:r>
-            <a:r>
-              <a:rPr lang="es-ES_tradnl" b="1" dirty="0"/>
-              <a:t>Push:</a:t>
-            </a:r>
-            <a:r>
-              <a:rPr lang="es-ES_tradnl" dirty="0"/>
-              <a:t> en iOS las notificaciones no están soportadas</a:t>
-            </a:r>
-          </a:p>
-          <a:p>
-            <a:r>
-              <a:rPr lang="es-ES_tradnl" b="1" dirty="0"/>
-              <a:t>Geofencing</a:t>
-            </a:r>
-            <a:r>
-              <a:rPr lang="es-ES_tradnl" dirty="0"/>
-              <a:t>: Perímetros</a:t>
-            </a:r>
-          </a:p>
-          <a:p>
-            <a:r>
-              <a:rPr lang="es-ES_tradnl" b="1" dirty="0"/>
-              <a:t>Brillo de pantalla</a:t>
-            </a:r>
-          </a:p>
-          <a:p>
-            <a:r>
-              <a:rPr lang="es-ES_tradnl" b="1" dirty="0"/>
-              <a:t>Wakelock</a:t>
-            </a:r>
-            <a:r>
-              <a:rPr lang="es-ES_tradnl" dirty="0"/>
-              <a:t>: Prevenir que pantalla del dispositivo se apague</a:t>
-            </a:r>
+            <a:pPr marL="285750" indent="-285750">
+              <a:buFontTx/>
+              <a:buChar char="-"/>
+            </a:pPr>
+            <a:r>
+              <a:rPr lang="es-ES_tradnl" dirty="0">
+                <a:solidFill>
+                  <a:schemeClr val="bg1"/>
+                </a:solidFill>
+              </a:rPr>
+              <a:t>Offline</a:t>
+            </a:r>
+          </a:p>
+          <a:p>
+            <a:pPr marL="285750" indent="-285750">
+              <a:buFontTx/>
+              <a:buChar char="-"/>
+            </a:pPr>
+            <a:r>
+              <a:rPr lang="es-ES_tradnl" dirty="0">
+                <a:solidFill>
+                  <a:schemeClr val="bg1"/>
+                </a:solidFill>
+              </a:rPr>
+              <a:t>Instalables</a:t>
+            </a:r>
+          </a:p>
+          <a:p>
+            <a:pPr marL="285750" indent="-285750">
+              <a:buFontTx/>
+              <a:buChar char="-"/>
+            </a:pPr>
+            <a:r>
+              <a:rPr lang="es-ES_tradnl" dirty="0">
+                <a:solidFill>
+                  <a:schemeClr val="bg1"/>
+                </a:solidFill>
+              </a:rPr>
+              <a:t>Actualizaciones automáticas</a:t>
+            </a:r>
+          </a:p>
+          <a:p>
+            <a:pPr marL="285750" indent="-285750">
+              <a:buFontTx/>
+              <a:buChar char="-"/>
+            </a:pPr>
+            <a:r>
+              <a:rPr lang="es-ES_tradnl" dirty="0">
+                <a:solidFill>
+                  <a:schemeClr val="bg1"/>
+                </a:solidFill>
+              </a:rPr>
+              <a:t>Acceso a Cámara y Micrófono</a:t>
+            </a:r>
+          </a:p>
+          <a:p>
+            <a:pPr marL="285750" indent="-285750">
+              <a:buFontTx/>
+              <a:buChar char="-"/>
+            </a:pPr>
+            <a:r>
+              <a:rPr lang="es-ES_tradnl" dirty="0">
+                <a:solidFill>
+                  <a:schemeClr val="bg1"/>
+                </a:solidFill>
+              </a:rPr>
+              <a:t>Detección código de barras</a:t>
+            </a:r>
+          </a:p>
+          <a:p>
+            <a:pPr marL="285750" indent="-285750">
+              <a:buFontTx/>
+              <a:buChar char="-"/>
+            </a:pPr>
+            <a:r>
+              <a:rPr lang="es-ES_tradnl" dirty="0">
+                <a:solidFill>
+                  <a:schemeClr val="bg1"/>
+                </a:solidFill>
+              </a:rPr>
+              <a:t>Notificaciones push</a:t>
+            </a:r>
+          </a:p>
+          <a:p>
+            <a:pPr marL="285750" indent="-285750">
+              <a:buFontTx/>
+              <a:buChar char="-"/>
+            </a:pPr>
+            <a:r>
+              <a:rPr lang="es-ES_tradnl" dirty="0">
+                <a:solidFill>
+                  <a:schemeClr val="bg1"/>
+                </a:solidFill>
+              </a:rPr>
+              <a:t>Autenticación biométrica</a:t>
+            </a:r>
+          </a:p>
+          <a:p>
+            <a:pPr marL="285750" indent="-285750">
+              <a:buFontTx/>
+              <a:buChar char="-"/>
+            </a:pPr>
+            <a:r>
+              <a:rPr lang="es-ES_tradnl" dirty="0">
+                <a:solidFill>
+                  <a:schemeClr val="bg1"/>
+                </a:solidFill>
+              </a:rPr>
+              <a:t>Acceso a archivos del sistema</a:t>
+            </a:r>
+          </a:p>
+          <a:p>
+            <a:pPr marL="285750" indent="-285750">
+              <a:buFontTx/>
+              <a:buChar char="-"/>
+            </a:pPr>
+            <a:endParaRPr lang="es-ES_tradnl" dirty="0">
+              <a:solidFill>
+                <a:schemeClr val="bg1"/>
+              </a:solidFill>
+            </a:endParaRPr>
+          </a:p>
+          <a:p>
+            <a:pPr marL="285750" indent="-285750">
+              <a:buFontTx/>
+              <a:buChar char="-"/>
+            </a:pPr>
+            <a:endParaRPr lang="es-ES_tradnl" dirty="0">
+              <a:solidFill>
+                <a:schemeClr val="bg1"/>
+              </a:solidFill>
+            </a:endParaRPr>
+          </a:p>
+          <a:p>
+            <a:r>
+              <a:rPr lang="es-ES_tradnl" dirty="0">
+                <a:solidFill>
+                  <a:schemeClr val="bg1"/>
+                </a:solidFill>
+              </a:rPr>
+              <a:t>Listado completo:</a:t>
+            </a:r>
+          </a:p>
+          <a:p>
+            <a:r>
+              <a:rPr lang="es-ES_tradnl" dirty="0">
+                <a:solidFill>
+                  <a:schemeClr val="bg1"/>
+                </a:solidFill>
+                <a:hlinkClick r:id="rId2"/>
+              </a:rPr>
+              <a:t>https://whatpwacando.today/</a:t>
+            </a:r>
+            <a:endParaRPr lang="es-ES_tradnl" dirty="0">
+              <a:solidFill>
+                <a:schemeClr val="bg1"/>
+              </a:solidFill>
+            </a:endParaRPr>
           </a:p>
         </p:txBody>
       </p:sp>
     </p:spTree>
     <p:extLst>
       <p:ext uri="{BB962C8B-B14F-4D97-AF65-F5344CB8AC3E}">
-        <p14:creationId xmlns:p14="http://schemas.microsoft.com/office/powerpoint/2010/main" val="2279518520"/>
+        <p14:creationId xmlns:p14="http://schemas.microsoft.com/office/powerpoint/2010/main" val="520557697"/>
       </p:ext>
     </p:extLst>
   </p:cSld>
@@ -11333,7 +11443,7 @@
           <a:p>
             <a:r>
               <a:rPr lang="es-ES_tradnl" dirty="0"/>
-              <a:t>workbox</a:t>
+              <a:t>Limitaciones</a:t>
             </a:r>
           </a:p>
         </p:txBody>
@@ -11364,24 +11474,80 @@
           <a:bodyPr/>
           <a:lstStyle/>
           <a:p>
+            <a:r>
+              <a:rPr lang="es-ES_tradnl" b="1" dirty="0"/>
+              <a:t>Notificaciones</a:t>
+            </a:r>
+            <a:r>
+              <a:rPr lang="es-ES_tradnl" dirty="0"/>
+              <a:t> </a:t>
+            </a:r>
+            <a:r>
+              <a:rPr lang="es-ES_tradnl" b="1" dirty="0"/>
+              <a:t>Push:</a:t>
+            </a:r>
+            <a:r>
+              <a:rPr lang="es-ES_tradnl" dirty="0"/>
+              <a:t> en iOS las notificaciones no están soportadas</a:t>
+            </a:r>
+          </a:p>
+          <a:p>
+            <a:r>
+              <a:rPr lang="es-ES_tradnl" b="1" dirty="0"/>
+              <a:t>Geofencing</a:t>
+            </a:r>
+            <a:r>
+              <a:rPr lang="es-ES_tradnl" dirty="0"/>
+              <a:t>: Perímetros</a:t>
+            </a:r>
+          </a:p>
+          <a:p>
+            <a:r>
+              <a:rPr lang="es-ES_tradnl" b="1" dirty="0"/>
+              <a:t>Brillo de pantalla</a:t>
+            </a:r>
+          </a:p>
+          <a:p>
+            <a:r>
+              <a:rPr lang="es-ES_tradnl" b="1" dirty="0"/>
+              <a:t>Wakelock</a:t>
+            </a:r>
+            <a:r>
+              <a:rPr lang="es-ES_tradnl" dirty="0"/>
+              <a:t>: Prevenir que pantalla del dispositivo se apague</a:t>
+            </a:r>
+          </a:p>
+          <a:p>
+            <a:endParaRPr lang="es-ES_tradnl" dirty="0"/>
+          </a:p>
+          <a:p>
             <a:pPr marL="0" indent="0">
               <a:buNone/>
             </a:pPr>
             <a:r>
-              <a:rPr lang="es-ES_tradnl" sz="3200" dirty="0">
+              <a:rPr lang="es-ES_tradnl" dirty="0">
                 <a:hlinkClick r:id="rId2"/>
               </a:rPr>
-              <a:t>Workbox</a:t>
-            </a:r>
-            <a:r>
-              <a:rPr lang="es-ES_tradnl" sz="3200" dirty="0"/>
-              <a:t> es una librería de JavaScript desarrollada por Google que simplifica la creación de service workers y la gestión de cachés en aplicaciones web progresivas (PWAs)</a:t>
-            </a:r>
+              <a:t>https://brainhub.eu/library/pwa-on-ios#pwa-on-ios-limitations-for-users</a:t>
+            </a:r>
+            <a:endParaRPr lang="es-ES_tradnl" dirty="0"/>
           </a:p>
           <a:p>
             <a:pPr marL="0" indent="0">
               <a:buNone/>
             </a:pPr>
+            <a:endParaRPr lang="es-ES_tradnl" dirty="0"/>
+          </a:p>
+          <a:p>
+            <a:pPr marL="0" indent="0">
+              <a:buNone/>
+            </a:pPr>
+            <a:r>
+              <a:rPr lang="es-ES_tradnl" dirty="0">
+                <a:hlinkClick r:id="rId3"/>
+              </a:rPr>
+              <a:t>https://www.xataka.com/aplicaciones/apple-no-eliminara-finalmente-pwa-union-europea-seguiran-funcionando-webkit#:~:text=Apple%20no%20eliminar%C3%A1%20finalmente%20las,seguir%C3%A1n%20funcionando%2C%20pero%20con%20WebKit</a:t>
+            </a:r>
             <a:endParaRPr lang="es-ES_tradnl" dirty="0"/>
           </a:p>
           <a:p>
@@ -11395,7 +11561,7 @@
     </p:spTree>
     <p:extLst>
       <p:ext uri="{BB962C8B-B14F-4D97-AF65-F5344CB8AC3E}">
-        <p14:creationId xmlns:p14="http://schemas.microsoft.com/office/powerpoint/2010/main" val="3126100136"/>
+        <p14:creationId xmlns:p14="http://schemas.microsoft.com/office/powerpoint/2010/main" val="2279518520"/>
       </p:ext>
     </p:extLst>
   </p:cSld>
@@ -11453,7 +11619,7 @@
           <a:p>
             <a:r>
               <a:rPr lang="es-ES_tradnl" dirty="0"/>
-              <a:t>características</a:t>
+              <a:t>workbox</a:t>
             </a:r>
           </a:p>
         </p:txBody>
@@ -11476,7 +11642,7 @@
         </p:nvSpPr>
         <p:spPr>
           <a:xfrm>
-            <a:off x="262236" y="1050373"/>
+            <a:off x="331840" y="1258529"/>
             <a:ext cx="10975497" cy="4913670"/>
           </a:xfrm>
         </p:spPr>
@@ -11488,106 +11654,34 @@
               <a:buNone/>
             </a:pPr>
             <a:r>
-              <a:rPr lang="es-ES_tradnl" sz="2400" b="1" dirty="0"/>
-              <a:t>Generación de Service Workers</a:t>
-            </a:r>
-            <a:r>
-              <a:rPr lang="es-ES_tradnl" sz="2400" dirty="0"/>
-              <a:t>: Workbox proporciona utilidades para generar service workers de manera eficiente, lo que facilita la implementación de estrategias avanzadas de almacenamiento en caché y manejo de solicitudes.</a:t>
+              <a:rPr lang="es-ES_tradnl" sz="3200" dirty="0">
+                <a:hlinkClick r:id="rId2"/>
+              </a:rPr>
+              <a:t>Workbox</a:t>
+            </a:r>
+            <a:r>
+              <a:rPr lang="es-ES_tradnl" sz="3200" dirty="0"/>
+              <a:t> es una librería de JavaScript desarrollada por Google que simplifica la creación de service workers y la gestión de cachés en aplicaciones web progresivas (PWAs)</a:t>
             </a:r>
           </a:p>
           <a:p>
             <a:pPr marL="0" indent="0">
               <a:buNone/>
             </a:pPr>
-            <a:r>
-              <a:rPr lang="es-ES_tradnl" sz="2400" b="1" dirty="0"/>
-              <a:t>Caché y Precarga</a:t>
-            </a:r>
-            <a:r>
-              <a:rPr lang="es-ES_tradnl" sz="2400" dirty="0"/>
-              <a:t>: Permite a los desarrolladores gestionar fácilmente el almacenamiento en caché de recursos, como archivos HTML, CSS, JavaScript e imágenes. También ofrece funcionalidades avanzadas de precarga para mejorar la velocidad de carga de la aplicación.</a:t>
-            </a:r>
+            <a:endParaRPr lang="es-ES_tradnl" dirty="0"/>
           </a:p>
           <a:p>
             <a:pPr marL="0" indent="0">
               <a:buNone/>
             </a:pPr>
-            <a:r>
-              <a:rPr lang="es-ES_tradnl" sz="2400" b="1" dirty="0"/>
-              <a:t>Estrategias de Caché</a:t>
-            </a:r>
-            <a:r>
-              <a:rPr lang="es-ES_tradnl" sz="2400" dirty="0"/>
-              <a:t>: Workbox ofrece varias estrategias de caché predefinidas, como "Cache </a:t>
-            </a:r>
-            <a:r>
-              <a:rPr lang="es-ES_tradnl" sz="2400" dirty="0" err="1"/>
-              <a:t>First</a:t>
-            </a:r>
-            <a:r>
-              <a:rPr lang="es-ES_tradnl" sz="2400" dirty="0"/>
-              <a:t>", "Network </a:t>
-            </a:r>
-            <a:r>
-              <a:rPr lang="es-ES_tradnl" sz="2400" dirty="0" err="1"/>
-              <a:t>First</a:t>
-            </a:r>
-            <a:r>
-              <a:rPr lang="es-ES_tradnl" sz="2400" dirty="0"/>
-              <a:t>", "</a:t>
-            </a:r>
-            <a:r>
-              <a:rPr lang="es-ES_tradnl" sz="2400" dirty="0" err="1"/>
-              <a:t>Stale</a:t>
-            </a:r>
-            <a:r>
-              <a:rPr lang="es-ES_tradnl" sz="2400" dirty="0"/>
-              <a:t> </a:t>
-            </a:r>
-            <a:r>
-              <a:rPr lang="es-ES_tradnl" sz="2400" dirty="0" err="1"/>
-              <a:t>While</a:t>
-            </a:r>
-            <a:r>
-              <a:rPr lang="es-ES_tradnl" sz="2400" dirty="0"/>
-              <a:t> </a:t>
-            </a:r>
-            <a:r>
-              <a:rPr lang="es-ES_tradnl" sz="2400" dirty="0" err="1"/>
-              <a:t>Revalidate</a:t>
-            </a:r>
-            <a:r>
-              <a:rPr lang="es-ES_tradnl" sz="2400" dirty="0"/>
-              <a:t>", entre otras. Estas estrategias permiten controlar cómo se gestionan las solicitudes y respuestas en el service </a:t>
-            </a:r>
-            <a:r>
-              <a:rPr lang="es-ES_tradnl" sz="2400" dirty="0" err="1"/>
-              <a:t>worker</a:t>
-            </a:r>
-            <a:r>
-              <a:rPr lang="es-ES_tradnl" sz="2400" dirty="0"/>
-              <a:t>.</a:t>
-            </a:r>
-          </a:p>
-          <a:p>
-            <a:pPr marL="0" indent="0">
-              <a:buNone/>
-            </a:pPr>
-            <a:endParaRPr lang="es-ES_tradnl" sz="2400" dirty="0"/>
-          </a:p>
-          <a:p>
-            <a:pPr marL="0" indent="0">
-              <a:buNone/>
-            </a:pPr>
-            <a:endParaRPr lang="es-ES_tradnl" sz="2400" dirty="0"/>
+            <a:endParaRPr lang="es-ES_tradnl" dirty="0"/>
           </a:p>
         </p:txBody>
       </p:sp>
     </p:spTree>
     <p:extLst>
       <p:ext uri="{BB962C8B-B14F-4D97-AF65-F5344CB8AC3E}">
-        <p14:creationId xmlns:p14="http://schemas.microsoft.com/office/powerpoint/2010/main" val="228308597"/>
+        <p14:creationId xmlns:p14="http://schemas.microsoft.com/office/powerpoint/2010/main" val="3126100136"/>
       </p:ext>
     </p:extLst>
   </p:cSld>
@@ -11668,7 +11762,7 @@
         </p:nvSpPr>
         <p:spPr>
           <a:xfrm>
-            <a:off x="331840" y="1258529"/>
+            <a:off x="262236" y="1050373"/>
             <a:ext cx="10975497" cy="4913670"/>
           </a:xfrm>
         </p:spPr>
@@ -11680,12 +11774,12 @@
               <a:buNone/>
             </a:pPr>
             <a:r>
-              <a:rPr lang="es-ES_tradnl" sz="2800" b="1" dirty="0"/>
-              <a:t>Generación de Manifiesto</a:t>
-            </a:r>
-            <a:r>
-              <a:rPr lang="es-ES_tradnl" sz="2800" dirty="0"/>
-              <a:t>: Facilita la generación de un manifiesto de aplicación (app manifest) para PWAs, lo que simplifica la instalación y el manejo de la aplicación en dispositivos móviles.</a:t>
+              <a:rPr lang="es-ES_tradnl" sz="2400" b="1" dirty="0"/>
+              <a:t>Generación de Service Workers</a:t>
+            </a:r>
+            <a:r>
+              <a:rPr lang="es-ES_tradnl" sz="2400" dirty="0"/>
+              <a:t>: Workbox proporciona utilidades para generar service workers de manera eficiente, lo que facilita la implementación de estrategias avanzadas de almacenamiento en caché y manejo de solicitudes.</a:t>
             </a:r>
           </a:p>
           <a:p>
@@ -11693,20 +11787,12 @@
               <a:buNone/>
             </a:pPr>
             <a:r>
-              <a:rPr lang="es-ES_tradnl" sz="2800" b="1" dirty="0"/>
-              <a:t>Gestión de Versiones</a:t>
-            </a:r>
-            <a:r>
-              <a:rPr lang="es-ES_tradnl" sz="2800" dirty="0"/>
-              <a:t>: Ayuda a manejar las versiones del service </a:t>
-            </a:r>
-            <a:r>
-              <a:rPr lang="es-ES_tradnl" sz="2800" dirty="0" err="1"/>
-              <a:t>worker</a:t>
-            </a:r>
-            <a:r>
-              <a:rPr lang="es-ES_tradnl" sz="2800" dirty="0"/>
-              <a:t> y de los recursos caché, facilitando la actualización controlada de las PWAs.</a:t>
+              <a:rPr lang="es-ES_tradnl" sz="2400" b="1" dirty="0"/>
+              <a:t>Caché y Precarga</a:t>
+            </a:r>
+            <a:r>
+              <a:rPr lang="es-ES_tradnl" sz="2400" dirty="0"/>
+              <a:t>: Permite a los desarrolladores gestionar fácilmente el almacenamiento en caché de recursos, como archivos HTML, CSS, JavaScript e imágenes. También ofrece funcionalidades avanzadas de precarga para mejorar la velocidad de carga de la aplicación.</a:t>
             </a:r>
           </a:p>
           <a:p>
@@ -11714,52 +11800,72 @@
               <a:buNone/>
             </a:pPr>
             <a:r>
-              <a:rPr lang="es-ES_tradnl" sz="2800" b="1" dirty="0"/>
-              <a:t>Integración con </a:t>
-            </a:r>
-            <a:r>
-              <a:rPr lang="es-ES_tradnl" sz="2800" b="1" dirty="0" err="1"/>
-              <a:t>Build</a:t>
-            </a:r>
-            <a:r>
-              <a:rPr lang="es-ES_tradnl" sz="2800" b="1" dirty="0"/>
-              <a:t> Tools</a:t>
-            </a:r>
-            <a:r>
-              <a:rPr lang="es-ES_tradnl" sz="2800" dirty="0"/>
-              <a:t>: Puede integrarse fácilmente con herramientas de construcción (</a:t>
-            </a:r>
-            <a:r>
-              <a:rPr lang="es-ES_tradnl" sz="2800" dirty="0" err="1"/>
-              <a:t>build</a:t>
-            </a:r>
-            <a:r>
-              <a:rPr lang="es-ES_tradnl" sz="2800" dirty="0"/>
+              <a:rPr lang="es-ES_tradnl" sz="2400" b="1" dirty="0"/>
+              <a:t>Estrategias de Caché</a:t>
+            </a:r>
+            <a:r>
+              <a:rPr lang="es-ES_tradnl" sz="2400" dirty="0"/>
+              <a:t>: Workbox ofrece varias estrategias de caché predefinidas, como "Cache </a:t>
+            </a:r>
+            <a:r>
+              <a:rPr lang="es-ES_tradnl" sz="2400" dirty="0" err="1"/>
+              <a:t>First</a:t>
+            </a:r>
+            <a:r>
+              <a:rPr lang="es-ES_tradnl" sz="2400" dirty="0"/>
+              <a:t>", "Network </a:t>
+            </a:r>
+            <a:r>
+              <a:rPr lang="es-ES_tradnl" sz="2400" dirty="0" err="1"/>
+              <a:t>First</a:t>
+            </a:r>
+            <a:r>
+              <a:rPr lang="es-ES_tradnl" sz="2400" dirty="0"/>
+              <a:t>", "</a:t>
+            </a:r>
+            <a:r>
+              <a:rPr lang="es-ES_tradnl" sz="2400" dirty="0" err="1"/>
+              <a:t>Stale</a:t>
+            </a:r>
+            <a:r>
+              <a:rPr lang="es-ES_tradnl" sz="2400" dirty="0"/>
               <a:t> </a:t>
             </a:r>
             <a:r>
-              <a:rPr lang="es-ES_tradnl" sz="2800" dirty="0" err="1"/>
-              <a:t>tools</a:t>
-            </a:r>
-            <a:r>
-              <a:rPr lang="es-ES_tradnl" sz="2800" dirty="0"/>
-              <a:t>) y flujos de trabajo populares, como </a:t>
-            </a:r>
-            <a:r>
-              <a:rPr lang="es-ES_tradnl" sz="2800" dirty="0" err="1"/>
-              <a:t>Webpack</a:t>
-            </a:r>
-            <a:r>
-              <a:rPr lang="es-ES_tradnl" sz="2800" dirty="0"/>
-              <a:t>, para optimizar y automatizar el proceso de construcción de PWAs.</a:t>
-            </a:r>
+              <a:rPr lang="es-ES_tradnl" sz="2400" dirty="0" err="1"/>
+              <a:t>While</a:t>
+            </a:r>
+            <a:r>
+              <a:rPr lang="es-ES_tradnl" sz="2400" dirty="0"/>
+              <a:t> </a:t>
+            </a:r>
+            <a:r>
+              <a:rPr lang="es-ES_tradnl" sz="2400" dirty="0" err="1"/>
+              <a:t>Revalidate</a:t>
+            </a:r>
+            <a:r>
+              <a:rPr lang="es-ES_tradnl" sz="2400" dirty="0"/>
+              <a:t>", entre otras. Estas estrategias permiten controlar cómo se gestionan las solicitudes y respuestas en el service worker.</a:t>
+            </a:r>
+          </a:p>
+          <a:p>
+            <a:pPr marL="0" indent="0">
+              <a:buNone/>
+            </a:pPr>
+            <a:endParaRPr lang="es-ES_tradnl" sz="2400" dirty="0"/>
+          </a:p>
+          <a:p>
+            <a:pPr marL="0" indent="0">
+              <a:buNone/>
+            </a:pPr>
+            <a:endParaRPr lang="es-ES_tradnl" sz="2400" dirty="0"/>
           </a:p>
         </p:txBody>
       </p:sp>
     </p:spTree>
     <p:extLst>
       <p:ext uri="{BB962C8B-B14F-4D97-AF65-F5344CB8AC3E}">
-        <p14:creationId xmlns:p14="http://schemas.microsoft.com/office/powerpoint/2010/main" val="2834285931"/>
+        <p14:creationId xmlns:p14="http://schemas.microsoft.com/office/powerpoint/2010/main" val="228308597"/>
       </p:ext>
     </p:extLst>
   </p:cSld>
@@ -11804,7 +11910,7 @@
         </p:nvSpPr>
         <p:spPr>
           <a:xfrm>
-            <a:off x="3082473" y="2395654"/>
+            <a:off x="257498" y="306659"/>
             <a:ext cx="11487235" cy="6244682"/>
           </a:xfrm>
           <a:prstGeom prst="rect">
@@ -11816,8 +11922,74 @@
           <a:lstStyle/>
           <a:p>
             <a:r>
-              <a:rPr lang="es-ES_tradnl" sz="13000" dirty="0"/>
-              <a:t>DEMO</a:t>
+              <a:rPr lang="es-ES_tradnl" dirty="0"/>
+              <a:t>características</a:t>
+            </a:r>
+          </a:p>
+        </p:txBody>
+      </p:sp>
+      <p:sp>
+        <p:nvSpPr>
+          <p:cNvPr id="2" name="Text Placeholder 4">
+            <a:extLst>
+              <a:ext uri="{FF2B5EF4-FFF2-40B4-BE49-F238E27FC236}">
+                <a16:creationId xmlns:a16="http://schemas.microsoft.com/office/drawing/2014/main" id="{A11E9D73-0D2B-BC8E-12A2-24C124C0B974}"/>
+              </a:ext>
+            </a:extLst>
+          </p:cNvPr>
+          <p:cNvSpPr>
+            <a:spLocks noGrp="1"/>
+          </p:cNvSpPr>
+          <p:nvPr>
+            <p:ph type="body" sz="quarter" idx="10"/>
+          </p:nvPr>
+        </p:nvSpPr>
+        <p:spPr>
+          <a:xfrm>
+            <a:off x="331840" y="1258529"/>
+            <a:ext cx="10975497" cy="4913670"/>
+          </a:xfrm>
+        </p:spPr>
+        <p:txBody>
+          <a:bodyPr/>
+          <a:lstStyle/>
+          <a:p>
+            <a:pPr marL="0" indent="0">
+              <a:buNone/>
+            </a:pPr>
+            <a:r>
+              <a:rPr lang="es-ES_tradnl" sz="2800" b="1" dirty="0"/>
+              <a:t>Generación de Manifiesto</a:t>
+            </a:r>
+            <a:r>
+              <a:rPr lang="es-ES_tradnl" sz="2800" dirty="0"/>
+              <a:t>: Facilita la generación de un manifiesto de aplicación (app manifest) para PWAs, lo que simplifica la instalación y el manejo de la aplicación en dispositivos móviles.</a:t>
+            </a:r>
+          </a:p>
+          <a:p>
+            <a:pPr marL="0" indent="0">
+              <a:buNone/>
+            </a:pPr>
+            <a:r>
+              <a:rPr lang="es-ES_tradnl" sz="2800" b="1" dirty="0"/>
+              <a:t>Gestión de Versiones</a:t>
+            </a:r>
+            <a:r>
+              <a:rPr lang="es-ES_tradnl" sz="2800" dirty="0"/>
+              <a:t>: Ayuda a manejar las versiones del service worker y de los recursos caché, facilitando la actualización controlada de las PWAs.</a:t>
+            </a:r>
+          </a:p>
+          <a:p>
+            <a:pPr marL="0" indent="0">
+              <a:buNone/>
+            </a:pPr>
+            <a:r>
+              <a:rPr lang="es-ES_tradnl" sz="2800" b="1" dirty="0"/>
+              <a:t>Integración con Build Tools</a:t>
+            </a:r>
+            <a:r>
+              <a:rPr lang="es-ES_tradnl" sz="2800" dirty="0"/>
+              <a:t>: Puede integrarse fácilmente con herramientas de construcción (build tools) y flujos de trabajo populares, como Webpack, para optimizar y automatizar el proceso de construcción de PWAs.</a:t>
             </a:r>
           </a:p>
         </p:txBody>
@@ -11825,7 +11997,7 @@
     </p:spTree>
     <p:extLst>
       <p:ext uri="{BB962C8B-B14F-4D97-AF65-F5344CB8AC3E}">
-        <p14:creationId xmlns:p14="http://schemas.microsoft.com/office/powerpoint/2010/main" val="1134316088"/>
+        <p14:creationId xmlns:p14="http://schemas.microsoft.com/office/powerpoint/2010/main" val="2834285931"/>
       </p:ext>
     </p:extLst>
   </p:cSld>
@@ -11852,6 +12024,72 @@
           <a:chExt cx="0" cy="0"/>
         </a:xfrm>
       </p:grpSpPr>
+      <p:sp>
+        <p:nvSpPr>
+          <p:cNvPr id="4" name="Title 3">
+            <a:extLst>
+              <a:ext uri="{FF2B5EF4-FFF2-40B4-BE49-F238E27FC236}">
+                <a16:creationId xmlns:a16="http://schemas.microsoft.com/office/drawing/2014/main" id="{E25865DD-7A32-BDBC-B1E4-9A04ABDCE3FD}"/>
+              </a:ext>
+            </a:extLst>
+          </p:cNvPr>
+          <p:cNvSpPr>
+            <a:spLocks noGrp="1"/>
+          </p:cNvSpPr>
+          <p:nvPr>
+            <p:ph type="title"/>
+          </p:nvPr>
+        </p:nvSpPr>
+        <p:spPr>
+          <a:xfrm>
+            <a:off x="3082473" y="2395654"/>
+            <a:ext cx="11487235" cy="6244682"/>
+          </a:xfrm>
+          <a:prstGeom prst="rect">
+            <a:avLst/>
+          </a:prstGeom>
+        </p:spPr>
+        <p:txBody>
+          <a:bodyPr/>
+          <a:lstStyle/>
+          <a:p>
+            <a:r>
+              <a:rPr lang="es-ES_tradnl" sz="13000" dirty="0"/>
+              <a:t>DEMO</a:t>
+            </a:r>
+          </a:p>
+        </p:txBody>
+      </p:sp>
+    </p:spTree>
+    <p:extLst>
+      <p:ext uri="{BB962C8B-B14F-4D97-AF65-F5344CB8AC3E}">
+        <p14:creationId xmlns:p14="http://schemas.microsoft.com/office/powerpoint/2010/main" val="1134316088"/>
+      </p:ext>
+    </p:extLst>
+  </p:cSld>
+  <p:clrMapOvr>
+    <a:masterClrMapping/>
+  </p:clrMapOvr>
+</p:sld>
+</file>
+
+<file path=ppt/slides/slide18.xml><?xml version="1.0" encoding="utf-8"?>
+<p:sld xmlns:a="http://schemas.openxmlformats.org/drawingml/2006/main" xmlns:r="http://schemas.openxmlformats.org/officeDocument/2006/relationships" xmlns:p="http://schemas.openxmlformats.org/presentationml/2006/main">
+  <p:cSld>
+    <p:spTree>
+      <p:nvGrpSpPr>
+        <p:cNvPr id="1" name=""/>
+        <p:cNvGrpSpPr/>
+        <p:nvPr/>
+      </p:nvGrpSpPr>
+      <p:grpSpPr>
+        <a:xfrm>
+          <a:off x="0" y="0"/>
+          <a:ext cx="0" cy="0"/>
+          <a:chOff x="0" y="0"/>
+          <a:chExt cx="0" cy="0"/>
+        </a:xfrm>
+      </p:grpSpPr>
       <p:pic>
         <p:nvPicPr>
           <p:cNvPr id="3" name="Graphic 2" descr="Badge Question Mark with solid fill">
@@ -11964,7 +12202,7 @@
 </p:sld>
 </file>
 
-<file path=ppt/slides/slide18.xml><?xml version="1.0" encoding="utf-8"?>
+<file path=ppt/slides/slide19.xml><?xml version="1.0" encoding="utf-8"?>
 <p:sld xmlns:a="http://schemas.openxmlformats.org/drawingml/2006/main" xmlns:r="http://schemas.openxmlformats.org/officeDocument/2006/relationships" xmlns:p="http://schemas.openxmlformats.org/presentationml/2006/main">
   <p:cSld>
     <p:spTree>
@@ -12071,15 +12309,7 @@
           <a:p>
             <a:r>
               <a:rPr lang="es-ES_tradnl" dirty="0"/>
-              <a:t>Soporte a </a:t>
-            </a:r>
-            <a:r>
-              <a:rPr lang="es-ES_tradnl" dirty="0" err="1"/>
-              <a:t>apis</a:t>
-            </a:r>
-            <a:r>
-              <a:rPr lang="es-ES_tradnl" dirty="0"/>
-              <a:t> que tal vez no conocías</a:t>
+              <a:t>Soporte a APIs que tal vez no conocías</a:t>
             </a:r>
           </a:p>
           <a:p>
@@ -12167,13 +12397,8 @@
           <a:p>
             <a:r>
               <a:rPr lang="es-ES_tradnl" dirty="0"/>
-              <a:t>Que es una </a:t>
-            </a:r>
-            <a:r>
-              <a:rPr lang="es-ES_tradnl" dirty="0" err="1"/>
-              <a:t>pwa</a:t>
-            </a:r>
-            <a:endParaRPr lang="es-ES_tradnl" dirty="0"/>
+              <a:t>Que es una pwa</a:t>
+            </a:r>
           </a:p>
         </p:txBody>
       </p:sp>
@@ -12621,7 +12846,15 @@
           <a:p>
             <a:r>
               <a:rPr lang="es-ES_tradnl" dirty="0"/>
+              <a:t>Atajos (</a:t>
+            </a:r>
+            <a:r>
+              <a:rPr lang="es-ES_tradnl" dirty="0" err="1"/>
               <a:t>Shortcuts</a:t>
+            </a:r>
+            <a:r>
+              <a:rPr lang="es-ES_tradnl" dirty="0"/>
+              <a:t>)</a:t>
             </a:r>
           </a:p>
         </p:txBody>
@@ -12826,8 +13059,8 @@
           <a:lstStyle/>
           <a:p>
             <a:r>
-              <a:rPr lang="en-US" dirty="0"/>
-              <a:t>Contact picker</a:t>
+              <a:rPr lang="es-ES_tradnl" dirty="0"/>
+              <a:t>Acceso a Contactos</a:t>
             </a:r>
           </a:p>
         </p:txBody>
@@ -13038,8 +13271,8 @@
           <a:lstStyle/>
           <a:p>
             <a:r>
-              <a:rPr lang="en-US" dirty="0"/>
-              <a:t>Geolocation and device motion</a:t>
+              <a:rPr lang="es-ES_tradnl" dirty="0"/>
+              <a:t>Localización y movimiento dispositivo</a:t>
             </a:r>
           </a:p>
         </p:txBody>
@@ -13633,6 +13866,19 @@
 </file>
 
 <file path=customXml/item1.xml><?xml version="1.0" encoding="utf-8"?>
+<p:properties xmlns:p="http://schemas.microsoft.com/office/2006/metadata/properties" xmlns:xsi="http://www.w3.org/2001/XMLSchema-instance" xmlns:pc="http://schemas.microsoft.com/office/infopath/2007/PartnerControls">
+  <documentManagement>
+    <lcf76f155ced4ddcb4097134ff3c332f xmlns="835f28f2-30f1-4728-84d2-86d96e143488">
+      <Terms xmlns="http://schemas.microsoft.com/office/infopath/2007/PartnerControls"/>
+    </lcf76f155ced4ddcb4097134ff3c332f>
+    <TaxCatchAll xmlns="341e6018-ac0a-4dfb-8409-db9e0d25502e" xsi:nil="true"/>
+    <_x041a__x043e__x043c__x0435__x0442__x0430__x0440_ xmlns="835f28f2-30f1-4728-84d2-86d96e143488" xsi:nil="true"/>
+    <i xmlns="835f28f2-30f1-4728-84d2-86d96e143488" xsi:nil="true"/>
+  </documentManagement>
+</p:properties>
+</file>
+
+<file path=customXml/item2.xml><?xml version="1.0" encoding="utf-8"?>
 <ct:contentTypeSchema xmlns:ct="http://schemas.microsoft.com/office/2006/metadata/contentType" xmlns:ma="http://schemas.microsoft.com/office/2006/metadata/properties/metaAttributes" ct:_="" ma:_="" ma:contentTypeName="Document" ma:contentTypeID="0x0101004195FC54A15F344D83577B1CDDD67A5D" ma:contentTypeVersion="18" ma:contentTypeDescription="Create a new document." ma:contentTypeScope="" ma:versionID="4471199d7e5a5c50520c2c2ebf6a0dd8">
   <xsd:schema xmlns:xsd="http://www.w3.org/2001/XMLSchema" xmlns:xs="http://www.w3.org/2001/XMLSchema" xmlns:p="http://schemas.microsoft.com/office/2006/metadata/properties" xmlns:ns2="341e6018-ac0a-4dfb-8409-db9e0d25502e" xmlns:ns3="835f28f2-30f1-4728-84d2-86d96e143488" targetNamespace="http://schemas.microsoft.com/office/2006/metadata/properties" ma:root="true" ma:fieldsID="4092a082eee0aa91d449b7e093bdccf7" ns2:_="" ns3:_="">
     <xsd:import namespace="341e6018-ac0a-4dfb-8409-db9e0d25502e"/>
@@ -13889,19 +14135,6 @@
 </ct:contentTypeSchema>
 </file>
 
-<file path=customXml/item2.xml><?xml version="1.0" encoding="utf-8"?>
-<p:properties xmlns:p="http://schemas.microsoft.com/office/2006/metadata/properties" xmlns:xsi="http://www.w3.org/2001/XMLSchema-instance" xmlns:pc="http://schemas.microsoft.com/office/infopath/2007/PartnerControls">
-  <documentManagement>
-    <lcf76f155ced4ddcb4097134ff3c332f xmlns="835f28f2-30f1-4728-84d2-86d96e143488">
-      <Terms xmlns="http://schemas.microsoft.com/office/infopath/2007/PartnerControls"/>
-    </lcf76f155ced4ddcb4097134ff3c332f>
-    <TaxCatchAll xmlns="341e6018-ac0a-4dfb-8409-db9e0d25502e" xsi:nil="true"/>
-    <_x041a__x043e__x043c__x0435__x0442__x0430__x0440_ xmlns="835f28f2-30f1-4728-84d2-86d96e143488" xsi:nil="true"/>
-    <i xmlns="835f28f2-30f1-4728-84d2-86d96e143488" xsi:nil="true"/>
-  </documentManagement>
-</p:properties>
-</file>
-
 <file path=customXml/item3.xml><?xml version="1.0" encoding="utf-8"?>
 <?mso-contentType ?>
 <FormTemplates xmlns="http://schemas.microsoft.com/sharepoint/v3/contenttype/forms">
@@ -13912,6 +14145,23 @@
 </file>
 
 <file path=customXml/itemProps1.xml><?xml version="1.0" encoding="utf-8"?>
+<ds:datastoreItem xmlns:ds="http://schemas.openxmlformats.org/officeDocument/2006/customXml" ds:itemID="{E9033E08-7FE9-4F6D-B155-A8777B4A5A57}">
+  <ds:schemaRefs>
+    <ds:schemaRef ds:uri="http://schemas.openxmlformats.org/package/2006/metadata/core-properties"/>
+    <ds:schemaRef ds:uri="341e6018-ac0a-4dfb-8409-db9e0d25502e"/>
+    <ds:schemaRef ds:uri="http://purl.org/dc/terms/"/>
+    <ds:schemaRef ds:uri="http://schemas.microsoft.com/office/2006/metadata/properties"/>
+    <ds:schemaRef ds:uri="835f28f2-30f1-4728-84d2-86d96e143488"/>
+    <ds:schemaRef ds:uri="http://purl.org/dc/dcmitype/"/>
+    <ds:schemaRef ds:uri="http://schemas.microsoft.com/office/2006/documentManagement/types"/>
+    <ds:schemaRef ds:uri="http://schemas.microsoft.com/office/infopath/2007/PartnerControls"/>
+    <ds:schemaRef ds:uri="http://www.w3.org/XML/1998/namespace"/>
+    <ds:schemaRef ds:uri="http://purl.org/dc/elements/1.1/"/>
+  </ds:schemaRefs>
+</ds:datastoreItem>
+</file>
+
+<file path=customXml/itemProps2.xml><?xml version="1.0" encoding="utf-8"?>
 <ds:datastoreItem xmlns:ds="http://schemas.openxmlformats.org/officeDocument/2006/customXml" ds:itemID="{4E10AC4E-6C40-49D3-B342-2C4220A132FA}">
   <ds:schemaRefs>
     <ds:schemaRef ds:uri="http://schemas.microsoft.com/office/2006/metadata/contentType"/>
@@ -13930,23 +14180,6 @@
 </ds:datastoreItem>
 </file>
 
-<file path=customXml/itemProps2.xml><?xml version="1.0" encoding="utf-8"?>
-<ds:datastoreItem xmlns:ds="http://schemas.openxmlformats.org/officeDocument/2006/customXml" ds:itemID="{E9033E08-7FE9-4F6D-B155-A8777B4A5A57}">
-  <ds:schemaRefs>
-    <ds:schemaRef ds:uri="http://schemas.openxmlformats.org/package/2006/metadata/core-properties"/>
-    <ds:schemaRef ds:uri="341e6018-ac0a-4dfb-8409-db9e0d25502e"/>
-    <ds:schemaRef ds:uri="http://purl.org/dc/terms/"/>
-    <ds:schemaRef ds:uri="http://schemas.microsoft.com/office/2006/metadata/properties"/>
-    <ds:schemaRef ds:uri="835f28f2-30f1-4728-84d2-86d96e143488"/>
-    <ds:schemaRef ds:uri="http://purl.org/dc/dcmitype/"/>
-    <ds:schemaRef ds:uri="http://schemas.microsoft.com/office/2006/documentManagement/types"/>
-    <ds:schemaRef ds:uri="http://schemas.microsoft.com/office/infopath/2007/PartnerControls"/>
-    <ds:schemaRef ds:uri="http://www.w3.org/XML/1998/namespace"/>
-    <ds:schemaRef ds:uri="http://purl.org/dc/elements/1.1/"/>
-  </ds:schemaRefs>
-</ds:datastoreItem>
-</file>
-
 <file path=customXml/itemProps3.xml><?xml version="1.0" encoding="utf-8"?>
 <ds:datastoreItem xmlns:ds="http://schemas.openxmlformats.org/officeDocument/2006/customXml" ds:itemID="{296B3B9E-03D8-4766-BF45-6129617CF026}">
   <ds:schemaRefs>
